--- a/massPix_quickstart.pptx
+++ b/massPix_quickstart.pptx
@@ -3120,7 +3120,7 @@
       </p:grpSpPr>
       <p:pic>
         <p:nvPicPr>
-          <p:cNvPr id="8" name="Picture 7"/>
+          <p:cNvPr id="2" name="Picture 1"/>
           <p:cNvPicPr>
             <a:picLocks noChangeAspect="1"/>
           </p:cNvPicPr>
@@ -3134,8 +3134,8 @@
         </p:blipFill>
         <p:spPr>
           <a:xfrm>
-            <a:off x="1251284" y="1558758"/>
-            <a:ext cx="9495853" cy="5130744"/>
+            <a:off x="2377783" y="1817572"/>
+            <a:ext cx="6554115" cy="3324689"/>
           </a:xfrm>
           <a:prstGeom prst="rect">
             <a:avLst/>
@@ -3196,7 +3196,7 @@
         </p:nvSpPr>
         <p:spPr>
           <a:xfrm>
-            <a:off x="6560813" y="3148335"/>
+            <a:off x="6188039" y="3278636"/>
             <a:ext cx="505736" cy="247244"/>
           </a:xfrm>
           <a:prstGeom prst="ellipse">
@@ -3242,8 +3242,8 @@
         </p:nvSpPr>
         <p:spPr>
           <a:xfrm>
-            <a:off x="4371065" y="3479917"/>
-            <a:ext cx="1363988" cy="289413"/>
+            <a:off x="2312469" y="2369573"/>
+            <a:ext cx="1970282" cy="289413"/>
           </a:xfrm>
           <a:prstGeom prst="ellipse">
             <a:avLst/>
@@ -3288,7 +3288,7 @@
         </p:nvSpPr>
         <p:spPr>
           <a:xfrm>
-            <a:off x="5935171" y="3811499"/>
+            <a:off x="5149104" y="2884615"/>
             <a:ext cx="505736" cy="247244"/>
           </a:xfrm>
           <a:prstGeom prst="ellipse">
@@ -3362,11 +3362,7 @@
             </a:r>
             <a:r>
               <a:rPr lang="en-GB" sz="2000" b="1" dirty="0" smtClean="0"/>
-              <a:t> </a:t>
-            </a:r>
-            <a:r>
-              <a:rPr lang="en-GB" sz="2000" b="1" dirty="0" smtClean="0"/>
-              <a:t>package to R studio</a:t>
+              <a:t> package to R studio</a:t>
             </a:r>
             <a:endParaRPr lang="en-GB" sz="2000" b="1" dirty="0"/>
           </a:p>
@@ -3380,8 +3376,8 @@
         </p:nvSpPr>
         <p:spPr>
           <a:xfrm>
-            <a:off x="4471124" y="3769330"/>
-            <a:ext cx="1363988" cy="289413"/>
+            <a:off x="2377782" y="2863531"/>
+            <a:ext cx="1765009" cy="289413"/>
           </a:xfrm>
           <a:prstGeom prst="ellipse">
             <a:avLst/>
@@ -3442,11 +3438,7 @@
           <a:p>
             <a:r>
               <a:rPr lang="en-GB" dirty="0" smtClean="0"/>
-              <a:t>In R studio go to packages tab, click install, select install from package archive file and browse to find </a:t>
-            </a:r>
-            <a:r>
-              <a:rPr lang="en-GB" dirty="0" smtClean="0"/>
-              <a:t>massPix_1.2.tar.gz</a:t>
+              <a:t>In R studio go to packages tab, click install, select install from package archive file and browse to find massPix_1.2.tar.gz</a:t>
             </a:r>
             <a:endParaRPr lang="en-GB" dirty="0"/>
           </a:p>
@@ -3489,114 +3481,9 @@
           <a:chExt cx="0" cy="0"/>
         </a:xfrm>
       </p:grpSpPr>
-      <p:sp>
-        <p:nvSpPr>
-          <p:cNvPr id="4" name="TextBox 3"/>
-          <p:cNvSpPr txBox="1"/>
-          <p:nvPr/>
-        </p:nvSpPr>
-        <p:spPr>
-          <a:xfrm>
-            <a:off x="393032" y="288758"/>
-            <a:ext cx="7323221" cy="400110"/>
-          </a:xfrm>
-          <a:prstGeom prst="rect">
-            <a:avLst/>
-          </a:prstGeom>
-          <a:noFill/>
-        </p:spPr>
-        <p:txBody>
-          <a:bodyPr wrap="square" rtlCol="0">
-            <a:spAutoFit/>
-          </a:bodyPr>
-          <a:lstStyle/>
-          <a:p>
-            <a:r>
-              <a:rPr lang="en-GB" sz="2000" b="1" dirty="0"/>
-              <a:t>6</a:t>
-            </a:r>
-            <a:r>
-              <a:rPr lang="en-GB" sz="2000" b="1" dirty="0" smtClean="0"/>
-              <a:t>. Set your working directory</a:t>
-            </a:r>
-            <a:endParaRPr lang="en-GB" sz="2000" b="1" dirty="0"/>
-          </a:p>
-        </p:txBody>
-      </p:sp>
-      <p:sp>
-        <p:nvSpPr>
-          <p:cNvPr id="6" name="TextBox 5"/>
-          <p:cNvSpPr txBox="1"/>
-          <p:nvPr/>
-        </p:nvSpPr>
-        <p:spPr>
-          <a:xfrm>
-            <a:off x="481263" y="1170853"/>
-            <a:ext cx="8237621" cy="2031325"/>
-          </a:xfrm>
-          <a:prstGeom prst="rect">
-            <a:avLst/>
-          </a:prstGeom>
-          <a:noFill/>
-        </p:spPr>
-        <p:txBody>
-          <a:bodyPr wrap="square" rtlCol="0">
-            <a:spAutoFit/>
-          </a:bodyPr>
-          <a:lstStyle/>
-          <a:p>
-            <a:r>
-              <a:rPr lang="en-GB" dirty="0" smtClean="0"/>
-              <a:t>This is where your 3 folders </a:t>
-            </a:r>
-          </a:p>
-          <a:p>
-            <a:r>
-              <a:rPr lang="en-GB" dirty="0" smtClean="0"/>
-              <a:t>“libraries” </a:t>
-            </a:r>
-          </a:p>
-          <a:p>
-            <a:r>
-              <a:rPr lang="en-GB" dirty="0" smtClean="0"/>
-              <a:t>“data” </a:t>
-            </a:r>
-          </a:p>
-          <a:p>
-            <a:r>
-              <a:rPr lang="en-GB" dirty="0" smtClean="0"/>
-              <a:t>“</a:t>
-            </a:r>
-            <a:r>
-              <a:rPr lang="en-GB" dirty="0" err="1" smtClean="0"/>
-              <a:t>imzMLConverter</a:t>
-            </a:r>
-            <a:r>
-              <a:rPr lang="en-GB" dirty="0" smtClean="0"/>
-              <a:t>” </a:t>
-            </a:r>
-          </a:p>
-          <a:p>
-            <a:r>
-              <a:rPr lang="en-GB" dirty="0"/>
-              <a:t>	</a:t>
-            </a:r>
-            <a:r>
-              <a:rPr lang="en-GB" dirty="0" smtClean="0"/>
-              <a:t>	are stored.</a:t>
-            </a:r>
-          </a:p>
-          <a:p>
-            <a:endParaRPr lang="en-GB" dirty="0"/>
-          </a:p>
-          <a:p>
-            <a:endParaRPr lang="en-GB" dirty="0"/>
-          </a:p>
-        </p:txBody>
-      </p:sp>
       <p:pic>
         <p:nvPicPr>
-          <p:cNvPr id="3" name="Picture 2"/>
+          <p:cNvPr id="7" name="Picture 6"/>
           <p:cNvPicPr>
             <a:picLocks noChangeAspect="1"/>
           </p:cNvPicPr>
@@ -3610,14 +3497,119 @@
         </p:blipFill>
         <p:spPr>
           <a:xfrm>
-            <a:off x="3822969" y="1034364"/>
-            <a:ext cx="6725589" cy="4839375"/>
+            <a:off x="3707704" y="1621147"/>
+            <a:ext cx="5715798" cy="3238952"/>
           </a:xfrm>
           <a:prstGeom prst="rect">
             <a:avLst/>
           </a:prstGeom>
         </p:spPr>
       </p:pic>
+      <p:sp>
+        <p:nvSpPr>
+          <p:cNvPr id="4" name="TextBox 3"/>
+          <p:cNvSpPr txBox="1"/>
+          <p:nvPr/>
+        </p:nvSpPr>
+        <p:spPr>
+          <a:xfrm>
+            <a:off x="393032" y="288758"/>
+            <a:ext cx="7323221" cy="400110"/>
+          </a:xfrm>
+          <a:prstGeom prst="rect">
+            <a:avLst/>
+          </a:prstGeom>
+          <a:noFill/>
+        </p:spPr>
+        <p:txBody>
+          <a:bodyPr wrap="square" rtlCol="0">
+            <a:spAutoFit/>
+          </a:bodyPr>
+          <a:lstStyle/>
+          <a:p>
+            <a:r>
+              <a:rPr lang="en-GB" sz="2000" b="1" dirty="0"/>
+              <a:t>6</a:t>
+            </a:r>
+            <a:r>
+              <a:rPr lang="en-GB" sz="2000" b="1" dirty="0" smtClean="0"/>
+              <a:t>. Set your working directory</a:t>
+            </a:r>
+            <a:endParaRPr lang="en-GB" sz="2000" b="1" dirty="0"/>
+          </a:p>
+        </p:txBody>
+      </p:sp>
+      <p:sp>
+        <p:nvSpPr>
+          <p:cNvPr id="6" name="TextBox 5"/>
+          <p:cNvSpPr txBox="1"/>
+          <p:nvPr/>
+        </p:nvSpPr>
+        <p:spPr>
+          <a:xfrm>
+            <a:off x="481263" y="1170853"/>
+            <a:ext cx="8237621" cy="2031325"/>
+          </a:xfrm>
+          <a:prstGeom prst="rect">
+            <a:avLst/>
+          </a:prstGeom>
+          <a:noFill/>
+        </p:spPr>
+        <p:txBody>
+          <a:bodyPr wrap="square" rtlCol="0">
+            <a:spAutoFit/>
+          </a:bodyPr>
+          <a:lstStyle/>
+          <a:p>
+            <a:r>
+              <a:rPr lang="en-GB" dirty="0" smtClean="0"/>
+              <a:t>This is where your 3 folders </a:t>
+            </a:r>
+          </a:p>
+          <a:p>
+            <a:r>
+              <a:rPr lang="en-GB" dirty="0" smtClean="0"/>
+              <a:t>“libraries” </a:t>
+            </a:r>
+          </a:p>
+          <a:p>
+            <a:r>
+              <a:rPr lang="en-GB" dirty="0" smtClean="0"/>
+              <a:t>“data” </a:t>
+            </a:r>
+          </a:p>
+          <a:p>
+            <a:r>
+              <a:rPr lang="en-GB" dirty="0" smtClean="0"/>
+              <a:t>“</a:t>
+            </a:r>
+            <a:r>
+              <a:rPr lang="en-GB" dirty="0" err="1" smtClean="0"/>
+              <a:t>imzMLConverter</a:t>
+            </a:r>
+            <a:r>
+              <a:rPr lang="en-GB" dirty="0" smtClean="0"/>
+              <a:t>” </a:t>
+            </a:r>
+          </a:p>
+          <a:p>
+            <a:r>
+              <a:rPr lang="en-GB" dirty="0"/>
+              <a:t>	</a:t>
+            </a:r>
+            <a:r>
+              <a:rPr lang="en-GB" dirty="0" smtClean="0"/>
+              <a:t>	are stored.</a:t>
+            </a:r>
+          </a:p>
+          <a:p>
+            <a:endParaRPr lang="en-GB" dirty="0"/>
+          </a:p>
+          <a:p>
+            <a:endParaRPr lang="en-GB" dirty="0"/>
+          </a:p>
+        </p:txBody>
+      </p:sp>
       <p:sp>
         <p:nvSpPr>
           <p:cNvPr id="2" name="Oval 1"/>
@@ -3703,7 +3695,7 @@
       </p:grpSpPr>
       <p:pic>
         <p:nvPicPr>
-          <p:cNvPr id="5" name="Picture 4"/>
+          <p:cNvPr id="3" name="Picture 2"/>
           <p:cNvPicPr>
             <a:picLocks noChangeAspect="1"/>
           </p:cNvPicPr>
@@ -3717,8 +3709,8 @@
         </p:blipFill>
         <p:spPr>
           <a:xfrm>
-            <a:off x="1365337" y="688868"/>
-            <a:ext cx="8592855" cy="5966294"/>
+            <a:off x="1483214" y="763513"/>
+            <a:ext cx="6847966" cy="6019842"/>
           </a:xfrm>
           <a:prstGeom prst="rect">
             <a:avLst/>
@@ -3846,6 +3838,29 @@
           <a:chExt cx="0" cy="0"/>
         </a:xfrm>
       </p:grpSpPr>
+      <p:pic>
+        <p:nvPicPr>
+          <p:cNvPr id="7" name="Picture 6"/>
+          <p:cNvPicPr>
+            <a:picLocks noChangeAspect="1"/>
+          </p:cNvPicPr>
+          <p:nvPr/>
+        </p:nvPicPr>
+        <p:blipFill rotWithShape="1">
+          <a:blip r:embed="rId2"/>
+          <a:srcRect t="35032" r="11220" b="51405"/>
+          <a:stretch/>
+        </p:blipFill>
+        <p:spPr>
+          <a:xfrm>
+            <a:off x="692026" y="1210888"/>
+            <a:ext cx="8601266" cy="1306285"/>
+          </a:xfrm>
+          <a:prstGeom prst="rect">
+            <a:avLst/>
+          </a:prstGeom>
+        </p:spPr>
+      </p:pic>
       <p:sp>
         <p:nvSpPr>
           <p:cNvPr id="2" name="TextBox 1"/>
@@ -3880,29 +3895,6 @@
           </a:p>
         </p:txBody>
       </p:sp>
-      <p:pic>
-        <p:nvPicPr>
-          <p:cNvPr id="3" name="Picture 2"/>
-          <p:cNvPicPr>
-            <a:picLocks noChangeAspect="1"/>
-          </p:cNvPicPr>
-          <p:nvPr/>
-        </p:nvPicPr>
-        <p:blipFill rotWithShape="1">
-          <a:blip r:embed="rId2"/>
-          <a:srcRect b="73327"/>
-          <a:stretch/>
-        </p:blipFill>
-        <p:spPr>
-          <a:xfrm>
-            <a:off x="935190" y="1295350"/>
-            <a:ext cx="7401958" cy="1151071"/>
-          </a:xfrm>
-          <a:prstGeom prst="rect">
-            <a:avLst/>
-          </a:prstGeom>
-        </p:spPr>
-      </p:pic>
       <p:sp>
         <p:nvSpPr>
           <p:cNvPr id="4" name="Oval 3"/>
@@ -3972,15 +3964,7 @@
           <a:p>
             <a:r>
               <a:rPr lang="en-GB" dirty="0" smtClean="0"/>
-              <a:t>If you want to process from </a:t>
-            </a:r>
-            <a:r>
-              <a:rPr lang="en-GB" dirty="0" smtClean="0"/>
-              <a:t>the beginning </a:t>
-            </a:r>
-            <a:r>
-              <a:rPr lang="en-GB" dirty="0" smtClean="0"/>
-              <a:t>chose process=T</a:t>
+              <a:t>If you want to process from the beginning chose process=T</a:t>
             </a:r>
           </a:p>
           <a:p>
@@ -5658,97 +5642,9 @@
           <a:chExt cx="0" cy="0"/>
         </a:xfrm>
       </p:grpSpPr>
-      <p:sp>
-        <p:nvSpPr>
-          <p:cNvPr id="3" name="TextBox 2"/>
-          <p:cNvSpPr txBox="1"/>
-          <p:nvPr/>
-        </p:nvSpPr>
-        <p:spPr>
-          <a:xfrm>
-            <a:off x="393032" y="288758"/>
-            <a:ext cx="7323221" cy="400110"/>
-          </a:xfrm>
-          <a:prstGeom prst="rect">
-            <a:avLst/>
-          </a:prstGeom>
-          <a:noFill/>
-        </p:spPr>
-        <p:txBody>
-          <a:bodyPr wrap="square" rtlCol="0">
-            <a:spAutoFit/>
-          </a:bodyPr>
-          <a:lstStyle/>
-          <a:p>
-            <a:r>
-              <a:rPr lang="en-GB" sz="2000" b="1" dirty="0"/>
-              <a:t>1</a:t>
-            </a:r>
-            <a:r>
-              <a:rPr lang="en-GB" sz="2000" b="1" dirty="0" smtClean="0"/>
-              <a:t>. Download all files from </a:t>
-            </a:r>
-            <a:r>
-              <a:rPr lang="en-GB" sz="2000" b="1" dirty="0" smtClean="0"/>
-              <a:t>GitHub/</a:t>
-            </a:r>
-            <a:r>
-              <a:rPr lang="en-GB" sz="2000" b="1" dirty="0" err="1" smtClean="0"/>
-              <a:t>hallz</a:t>
-            </a:r>
-            <a:r>
-              <a:rPr lang="en-GB" sz="2000" b="1" dirty="0" smtClean="0"/>
-              <a:t>/</a:t>
-            </a:r>
-            <a:r>
-              <a:rPr lang="en-GB" sz="2000" b="1" dirty="0" err="1" smtClean="0"/>
-              <a:t>massPix</a:t>
-            </a:r>
-            <a:endParaRPr lang="en-GB" sz="2000" b="1" dirty="0"/>
-          </a:p>
-        </p:txBody>
-      </p:sp>
-      <p:sp>
-        <p:nvSpPr>
-          <p:cNvPr id="5" name="TextBox 4"/>
-          <p:cNvSpPr txBox="1"/>
-          <p:nvPr/>
-        </p:nvSpPr>
-        <p:spPr>
-          <a:xfrm>
-            <a:off x="481262" y="5653869"/>
-            <a:ext cx="9673389" cy="369332"/>
-          </a:xfrm>
-          <a:prstGeom prst="rect">
-            <a:avLst/>
-          </a:prstGeom>
-          <a:noFill/>
-        </p:spPr>
-        <p:txBody>
-          <a:bodyPr wrap="square" rtlCol="0">
-            <a:spAutoFit/>
-          </a:bodyPr>
-          <a:lstStyle/>
-          <a:p>
-            <a:r>
-              <a:rPr lang="en-GB" b="1" dirty="0" smtClean="0">
-                <a:solidFill>
-                  <a:srgbClr val="FF0000"/>
-                </a:solidFill>
-              </a:rPr>
-              <a:t>Place libraries folder, data folder and other files in your working directory. </a:t>
-            </a:r>
-            <a:endParaRPr lang="en-GB" b="1" dirty="0">
-              <a:solidFill>
-                <a:srgbClr val="FF0000"/>
-              </a:solidFill>
-            </a:endParaRPr>
-          </a:p>
-        </p:txBody>
-      </p:sp>
       <p:pic>
         <p:nvPicPr>
-          <p:cNvPr id="2" name="Picture 1"/>
+          <p:cNvPr id="8" name="Picture 7"/>
           <p:cNvPicPr>
             <a:picLocks noChangeAspect="1"/>
           </p:cNvPicPr>
@@ -5762,14 +5658,98 @@
         </p:blipFill>
         <p:spPr>
           <a:xfrm>
-            <a:off x="393032" y="771154"/>
-            <a:ext cx="10426300" cy="4714648"/>
+            <a:off x="559837" y="833749"/>
+            <a:ext cx="10341276" cy="5773442"/>
           </a:xfrm>
           <a:prstGeom prst="rect">
             <a:avLst/>
           </a:prstGeom>
         </p:spPr>
       </p:pic>
+      <p:sp>
+        <p:nvSpPr>
+          <p:cNvPr id="3" name="TextBox 2"/>
+          <p:cNvSpPr txBox="1"/>
+          <p:nvPr/>
+        </p:nvSpPr>
+        <p:spPr>
+          <a:xfrm>
+            <a:off x="393032" y="288758"/>
+            <a:ext cx="7323221" cy="400110"/>
+          </a:xfrm>
+          <a:prstGeom prst="rect">
+            <a:avLst/>
+          </a:prstGeom>
+          <a:noFill/>
+        </p:spPr>
+        <p:txBody>
+          <a:bodyPr wrap="square" rtlCol="0">
+            <a:spAutoFit/>
+          </a:bodyPr>
+          <a:lstStyle/>
+          <a:p>
+            <a:r>
+              <a:rPr lang="en-GB" sz="2000" b="1" dirty="0"/>
+              <a:t>1</a:t>
+            </a:r>
+            <a:r>
+              <a:rPr lang="en-GB" sz="2000" b="1" dirty="0" smtClean="0"/>
+              <a:t>. Download all files from GitHub/</a:t>
+            </a:r>
+            <a:r>
+              <a:rPr lang="en-GB" sz="2000" b="1" dirty="0" err="1" smtClean="0"/>
+              <a:t>hallz</a:t>
+            </a:r>
+            <a:r>
+              <a:rPr lang="en-GB" sz="2000" b="1" dirty="0" smtClean="0"/>
+              <a:t>/</a:t>
+            </a:r>
+            <a:r>
+              <a:rPr lang="en-GB" sz="2000" b="1" dirty="0" err="1" smtClean="0"/>
+              <a:t>massPix</a:t>
+            </a:r>
+            <a:endParaRPr lang="en-GB" sz="2000" b="1" dirty="0"/>
+          </a:p>
+        </p:txBody>
+      </p:sp>
+      <p:sp>
+        <p:nvSpPr>
+          <p:cNvPr id="5" name="TextBox 4"/>
+          <p:cNvSpPr txBox="1"/>
+          <p:nvPr/>
+        </p:nvSpPr>
+        <p:spPr>
+          <a:xfrm>
+            <a:off x="1517888" y="6237859"/>
+            <a:ext cx="9673389" cy="369332"/>
+          </a:xfrm>
+          <a:prstGeom prst="rect">
+            <a:avLst/>
+          </a:prstGeom>
+          <a:noFill/>
+        </p:spPr>
+        <p:txBody>
+          <a:bodyPr wrap="square" rtlCol="0">
+            <a:spAutoFit/>
+          </a:bodyPr>
+          <a:lstStyle/>
+          <a:p>
+            <a:r>
+              <a:rPr lang="en-GB" b="1" dirty="0" smtClean="0">
+                <a:solidFill>
+                  <a:srgbClr val="FF0000"/>
+                </a:solidFill>
+              </a:rPr>
+              <a:t>Place libraries folder, data folder and other files in your working directory. </a:t>
+            </a:r>
+            <a:endParaRPr lang="en-GB" b="1" dirty="0">
+              <a:solidFill>
+                <a:srgbClr val="FF0000"/>
+              </a:solidFill>
+            </a:endParaRPr>
+          </a:p>
+        </p:txBody>
+      </p:sp>
       <p:sp>
         <p:nvSpPr>
           <p:cNvPr id="6" name="Oval 5"/>
@@ -5824,7 +5804,7 @@
         </p:nvSpPr>
         <p:spPr>
           <a:xfrm>
-            <a:off x="9423913" y="3016737"/>
+            <a:off x="8425538" y="3261597"/>
             <a:ext cx="1195754" cy="458873"/>
           </a:xfrm>
           <a:prstGeom prst="ellipse">
@@ -6303,11 +6283,7 @@
             </a:r>
             <a:r>
               <a:rPr lang="en-GB" sz="2000" b="1" dirty="0" smtClean="0"/>
-              <a:t> </a:t>
-            </a:r>
-            <a:r>
-              <a:rPr lang="en-GB" sz="2000" b="1" dirty="0" smtClean="0"/>
-              <a:t>Step by Step</a:t>
+              <a:t> Step by Step</a:t>
             </a:r>
             <a:endParaRPr lang="en-GB" sz="2000" b="1" dirty="0"/>
           </a:p>
@@ -6345,11 +6321,7 @@
             </a:r>
             <a:r>
               <a:rPr lang="en-GB" dirty="0" smtClean="0"/>
-              <a:t> </a:t>
-            </a:r>
-            <a:r>
-              <a:rPr lang="en-GB" dirty="0" smtClean="0"/>
-              <a:t>wrapper function into its composite functions, to use for troubleshooting and/or to adapt the source code.</a:t>
+              <a:t> wrapper function into its composite functions, to use for troubleshooting and/or to adapt the source code.</a:t>
             </a:r>
           </a:p>
           <a:p>
@@ -6405,11 +6377,7 @@
             </a:r>
             <a:r>
               <a:rPr lang="en-GB" dirty="0" smtClean="0"/>
-              <a:t> </a:t>
-            </a:r>
-            <a:r>
-              <a:rPr lang="en-GB" dirty="0" smtClean="0"/>
-              <a:t>package, providing further details for each function. </a:t>
+              <a:t> package, providing further details for each function. </a:t>
             </a:r>
             <a:endParaRPr lang="en-GB" dirty="0"/>
           </a:p>
@@ -6473,11 +6441,7 @@
             </a:r>
             <a:r>
               <a:rPr lang="en-GB" sz="2000" b="1" dirty="0" smtClean="0"/>
-              <a:t>. Download all files from </a:t>
-            </a:r>
-            <a:r>
-              <a:rPr lang="en-GB" sz="2000" b="1" dirty="0" smtClean="0"/>
-              <a:t>GitHub/</a:t>
+              <a:t>. Download all files from GitHub/</a:t>
             </a:r>
             <a:r>
               <a:rPr lang="en-GB" sz="2000" b="1" dirty="0" err="1" smtClean="0"/>
@@ -6527,15 +6491,7 @@
             </a:r>
             <a:r>
               <a:rPr lang="en-GB" dirty="0" smtClean="0"/>
-              <a:t>, please download t</a:t>
-            </a:r>
-            <a:r>
-              <a:rPr lang="en-GB" dirty="0" smtClean="0"/>
-              <a:t>he </a:t>
-            </a:r>
-            <a:r>
-              <a:rPr lang="en-GB" dirty="0" smtClean="0"/>
-              <a:t>very large file </a:t>
+              <a:t>, please download the very large file </a:t>
             </a:r>
             <a:r>
               <a:rPr lang="en-GB" dirty="0" err="1" smtClean="0"/>
@@ -6543,11 +6499,7 @@
             </a:r>
             <a:r>
               <a:rPr lang="en-GB" dirty="0" smtClean="0"/>
-              <a:t> </a:t>
-            </a:r>
-            <a:r>
-              <a:rPr lang="en-GB" dirty="0" smtClean="0"/>
-              <a:t>from the </a:t>
+              <a:t> from the </a:t>
             </a:r>
             <a:r>
               <a:rPr lang="en-GB" dirty="0" err="1" smtClean="0"/>
@@ -6555,27 +6507,7 @@
             </a:r>
             <a:r>
               <a:rPr lang="en-GB" dirty="0" smtClean="0"/>
-              <a:t> </a:t>
-            </a:r>
-            <a:r>
-              <a:rPr lang="en-GB" dirty="0" smtClean="0"/>
-              <a:t>link </a:t>
-            </a:r>
-            <a:r>
-              <a:rPr lang="en-GB" dirty="0" smtClean="0"/>
-              <a:t>below – </a:t>
-            </a:r>
-            <a:r>
-              <a:rPr lang="en-GB" dirty="0" smtClean="0"/>
-              <a:t>ensure download </a:t>
-            </a:r>
-            <a:r>
-              <a:rPr lang="en-GB" dirty="0" smtClean="0"/>
-              <a:t>completes fully – file should </a:t>
-            </a:r>
-            <a:r>
-              <a:rPr lang="en-GB" dirty="0" smtClean="0"/>
-              <a:t>be ~ 160 MB. </a:t>
+              <a:t> link below – ensure download completes fully – file should be ~ 160 MB. </a:t>
             </a:r>
           </a:p>
           <a:p>
@@ -6698,6 +6630,30 @@
           <a:chExt cx="0" cy="0"/>
         </a:xfrm>
       </p:grpSpPr>
+      <p:pic>
+        <p:nvPicPr>
+          <p:cNvPr id="4" name="Picture 3"/>
+          <p:cNvPicPr>
+            <a:picLocks noChangeAspect="1"/>
+          </p:cNvPicPr>
+          <p:nvPr/>
+        </p:nvPicPr>
+        <p:blipFill>
+          <a:blip r:embed="rId2"/>
+          <a:stretch>
+            <a:fillRect/>
+          </a:stretch>
+        </p:blipFill>
+        <p:spPr>
+          <a:xfrm>
+            <a:off x="2251678" y="2447102"/>
+            <a:ext cx="6363588" cy="3048425"/>
+          </a:xfrm>
+          <a:prstGeom prst="rect">
+            <a:avLst/>
+          </a:prstGeom>
+        </p:spPr>
+      </p:pic>
       <p:sp>
         <p:nvSpPr>
           <p:cNvPr id="2" name="TextBox 1"/>
@@ -6772,13 +6728,13 @@
             </a:r>
             <a:r>
               <a:rPr lang="en-GB" dirty="0">
-                <a:hlinkClick r:id="rId2"/>
+                <a:hlinkClick r:id="rId3"/>
               </a:rPr>
               <a:t>http://www.cs.bham.ac.uk/~ibs/imzMLConverter</a:t>
             </a:r>
             <a:r>
               <a:rPr lang="en-GB" dirty="0" smtClean="0">
-                <a:hlinkClick r:id="rId2"/>
+                <a:hlinkClick r:id="rId3"/>
               </a:rPr>
               <a:t>/#</a:t>
             </a:r>
@@ -6831,8 +6787,9 @@
             </a:r>
             <a:r>
               <a:rPr lang="en-GB" dirty="0" smtClean="0"/>
-              <a:t>.</a:t>
-            </a:r>
+              <a:t>. </a:t>
+            </a:r>
+            <a:endParaRPr lang="en-GB" dirty="0" smtClean="0"/>
           </a:p>
           <a:p>
             <a:endParaRPr lang="en-GB" dirty="0"/>
@@ -7186,47 +7143,6 @@
           </a:p>
         </p:txBody>
       </p:sp>
-      <p:pic>
-        <p:nvPicPr>
-          <p:cNvPr id="1026" name="Picture 2" descr="Machine generated alternative text:&#10;ac.locallorgll_lsers) (H:) &#10;Name &#10;imzMLConveter &#10;libraries &#10;imageScope 1.1.tar.gz &#10;imageScope &#10;Date modified &#10;14/03/201611:40 &#10;14/03/201612:15 &#10;14/03/201611:38 &#10;14/03/201611:38 &#10;24/02/201616:23 &#10;11/03/201617:46 &#10;11/03/201617:50 &#10;14/03/201612:14 &#10;11/03/201617:42 &#10;Type &#10;File folder &#10;File folder &#10;File folder &#10;File folder &#10;GZ File &#10;MD File &#10;Microsoft PowerP... &#10;Microsoft PowerP... &#10;R File &#10;Size &#10;19 KB &#10;2870 KB &#10;536 KB &#10;README &#10;imageScope_qulckstart &#10;raw to imzML quickstart &#10;processing script.R "/>
-          <p:cNvPicPr>
-            <a:picLocks noChangeAspect="1" noChangeArrowheads="1"/>
-          </p:cNvPicPr>
-          <p:nvPr/>
-        </p:nvPicPr>
-        <p:blipFill>
-          <a:blip r:embed="rId3">
-            <a:extLst>
-              <a:ext uri="{28A0092B-C50C-407E-A947-70E740481C1C}">
-                <a14:useLocalDpi xmlns:a14="http://schemas.microsoft.com/office/drawing/2010/main" val="0"/>
-              </a:ext>
-            </a:extLst>
-          </a:blip>
-          <a:srcRect/>
-          <a:stretch>
-            <a:fillRect/>
-          </a:stretch>
-        </p:blipFill>
-        <p:spPr bwMode="auto">
-          <a:xfrm>
-            <a:off x="2923822" y="2123409"/>
-            <a:ext cx="5897142" cy="3376668"/>
-          </a:xfrm>
-          <a:prstGeom prst="rect">
-            <a:avLst/>
-          </a:prstGeom>
-          <a:noFill/>
-          <a:extLst>
-            <a:ext uri="{909E8E84-426E-40DD-AFC4-6F175D3DCCD1}">
-              <a14:hiddenFill xmlns:a14="http://schemas.microsoft.com/office/drawing/2010/main">
-                <a:solidFill>
-                  <a:srgbClr val="FFFFFF"/>
-                </a:solidFill>
-              </a14:hiddenFill>
-            </a:ext>
-          </a:extLst>
-        </p:spPr>
-      </p:pic>
     </p:spTree>
     <p:extLst>
       <p:ext uri="{BB962C8B-B14F-4D97-AF65-F5344CB8AC3E}">

--- a/massPix_quickstart.pptx
+++ b/massPix_quickstart.pptx
@@ -275,7 +275,7 @@
           <a:p>
             <a:fld id="{2A27EDB3-DB67-4E38-BFBE-E3054BAC1D0F}" type="datetimeFigureOut">
               <a:rPr lang="en-GB" smtClean="0"/>
-              <a:t>10/04/2017</a:t>
+              <a:t>29/06/2017</a:t>
             </a:fld>
             <a:endParaRPr lang="en-GB"/>
           </a:p>
@@ -445,7 +445,7 @@
           <a:p>
             <a:fld id="{2A27EDB3-DB67-4E38-BFBE-E3054BAC1D0F}" type="datetimeFigureOut">
               <a:rPr lang="en-GB" smtClean="0"/>
-              <a:t>10/04/2017</a:t>
+              <a:t>29/06/2017</a:t>
             </a:fld>
             <a:endParaRPr lang="en-GB"/>
           </a:p>
@@ -625,7 +625,7 @@
           <a:p>
             <a:fld id="{2A27EDB3-DB67-4E38-BFBE-E3054BAC1D0F}" type="datetimeFigureOut">
               <a:rPr lang="en-GB" smtClean="0"/>
-              <a:t>10/04/2017</a:t>
+              <a:t>29/06/2017</a:t>
             </a:fld>
             <a:endParaRPr lang="en-GB"/>
           </a:p>
@@ -795,7 +795,7 @@
           <a:p>
             <a:fld id="{2A27EDB3-DB67-4E38-BFBE-E3054BAC1D0F}" type="datetimeFigureOut">
               <a:rPr lang="en-GB" smtClean="0"/>
-              <a:t>10/04/2017</a:t>
+              <a:t>29/06/2017</a:t>
             </a:fld>
             <a:endParaRPr lang="en-GB"/>
           </a:p>
@@ -1041,7 +1041,7 @@
           <a:p>
             <a:fld id="{2A27EDB3-DB67-4E38-BFBE-E3054BAC1D0F}" type="datetimeFigureOut">
               <a:rPr lang="en-GB" smtClean="0"/>
-              <a:t>10/04/2017</a:t>
+              <a:t>29/06/2017</a:t>
             </a:fld>
             <a:endParaRPr lang="en-GB"/>
           </a:p>
@@ -1273,7 +1273,7 @@
           <a:p>
             <a:fld id="{2A27EDB3-DB67-4E38-BFBE-E3054BAC1D0F}" type="datetimeFigureOut">
               <a:rPr lang="en-GB" smtClean="0"/>
-              <a:t>10/04/2017</a:t>
+              <a:t>29/06/2017</a:t>
             </a:fld>
             <a:endParaRPr lang="en-GB"/>
           </a:p>
@@ -1640,7 +1640,7 @@
           <a:p>
             <a:fld id="{2A27EDB3-DB67-4E38-BFBE-E3054BAC1D0F}" type="datetimeFigureOut">
               <a:rPr lang="en-GB" smtClean="0"/>
-              <a:t>10/04/2017</a:t>
+              <a:t>29/06/2017</a:t>
             </a:fld>
             <a:endParaRPr lang="en-GB"/>
           </a:p>
@@ -1758,7 +1758,7 @@
           <a:p>
             <a:fld id="{2A27EDB3-DB67-4E38-BFBE-E3054BAC1D0F}" type="datetimeFigureOut">
               <a:rPr lang="en-GB" smtClean="0"/>
-              <a:t>10/04/2017</a:t>
+              <a:t>29/06/2017</a:t>
             </a:fld>
             <a:endParaRPr lang="en-GB"/>
           </a:p>
@@ -1853,7 +1853,7 @@
           <a:p>
             <a:fld id="{2A27EDB3-DB67-4E38-BFBE-E3054BAC1D0F}" type="datetimeFigureOut">
               <a:rPr lang="en-GB" smtClean="0"/>
-              <a:t>10/04/2017</a:t>
+              <a:t>29/06/2017</a:t>
             </a:fld>
             <a:endParaRPr lang="en-GB"/>
           </a:p>
@@ -2130,7 +2130,7 @@
           <a:p>
             <a:fld id="{2A27EDB3-DB67-4E38-BFBE-E3054BAC1D0F}" type="datetimeFigureOut">
               <a:rPr lang="en-GB" smtClean="0"/>
-              <a:t>10/04/2017</a:t>
+              <a:t>29/06/2017</a:t>
             </a:fld>
             <a:endParaRPr lang="en-GB"/>
           </a:p>
@@ -2383,7 +2383,7 @@
           <a:p>
             <a:fld id="{2A27EDB3-DB67-4E38-BFBE-E3054BAC1D0F}" type="datetimeFigureOut">
               <a:rPr lang="en-GB" smtClean="0"/>
-              <a:t>10/04/2017</a:t>
+              <a:t>29/06/2017</a:t>
             </a:fld>
             <a:endParaRPr lang="en-GB"/>
           </a:p>
@@ -2596,7 +2596,7 @@
           <a:p>
             <a:fld id="{2A27EDB3-DB67-4E38-BFBE-E3054BAC1D0F}" type="datetimeFigureOut">
               <a:rPr lang="en-GB" smtClean="0"/>
-              <a:t>10/04/2017</a:t>
+              <a:t>29/06/2017</a:t>
             </a:fld>
             <a:endParaRPr lang="en-GB"/>
           </a:p>
@@ -6468,7 +6468,7 @@
         <p:spPr>
           <a:xfrm>
             <a:off x="508000" y="1332089"/>
-            <a:ext cx="11684000" cy="2862322"/>
+            <a:ext cx="11684000" cy="3416320"/>
           </a:xfrm>
           <a:prstGeom prst="rect">
             <a:avLst/>
@@ -6579,6 +6579,23 @@
             <a:r>
               <a:rPr lang="en-GB" dirty="0" smtClean="0"/>
               <a:t>.</a:t>
+            </a:r>
+          </a:p>
+          <a:p>
+            <a:endParaRPr lang="en-GB" u="sng" dirty="0"/>
+          </a:p>
+          <a:p>
+            <a:r>
+              <a:rPr lang="en-GB" u="sng" dirty="0" smtClean="0"/>
+              <a:t>This will shortly be available on </a:t>
+            </a:r>
+            <a:r>
+              <a:rPr lang="en-GB" u="sng" dirty="0" err="1" smtClean="0"/>
+              <a:t>MetaboLights</a:t>
+            </a:r>
+            <a:r>
+              <a:rPr lang="en-GB" u="sng" dirty="0" smtClean="0"/>
+              <a:t> repository. </a:t>
             </a:r>
             <a:endParaRPr lang="en-GB" u="sng" dirty="0" smtClean="0"/>
           </a:p>
@@ -6789,7 +6806,6 @@
               <a:rPr lang="en-GB" dirty="0" smtClean="0"/>
               <a:t>. </a:t>
             </a:r>
-            <a:endParaRPr lang="en-GB" dirty="0" smtClean="0"/>
           </a:p>
           <a:p>
             <a:endParaRPr lang="en-GB" dirty="0"/>

--- a/massPix_quickstart.pptx
+++ b/massPix_quickstart.pptx
@@ -275,7 +275,7 @@
           <a:p>
             <a:fld id="{2A27EDB3-DB67-4E38-BFBE-E3054BAC1D0F}" type="datetimeFigureOut">
               <a:rPr lang="en-GB" smtClean="0"/>
-              <a:t>29/06/2017</a:t>
+              <a:t>04/07/2017</a:t>
             </a:fld>
             <a:endParaRPr lang="en-GB"/>
           </a:p>
@@ -445,7 +445,7 @@
           <a:p>
             <a:fld id="{2A27EDB3-DB67-4E38-BFBE-E3054BAC1D0F}" type="datetimeFigureOut">
               <a:rPr lang="en-GB" smtClean="0"/>
-              <a:t>29/06/2017</a:t>
+              <a:t>04/07/2017</a:t>
             </a:fld>
             <a:endParaRPr lang="en-GB"/>
           </a:p>
@@ -625,7 +625,7 @@
           <a:p>
             <a:fld id="{2A27EDB3-DB67-4E38-BFBE-E3054BAC1D0F}" type="datetimeFigureOut">
               <a:rPr lang="en-GB" smtClean="0"/>
-              <a:t>29/06/2017</a:t>
+              <a:t>04/07/2017</a:t>
             </a:fld>
             <a:endParaRPr lang="en-GB"/>
           </a:p>
@@ -795,7 +795,7 @@
           <a:p>
             <a:fld id="{2A27EDB3-DB67-4E38-BFBE-E3054BAC1D0F}" type="datetimeFigureOut">
               <a:rPr lang="en-GB" smtClean="0"/>
-              <a:t>29/06/2017</a:t>
+              <a:t>04/07/2017</a:t>
             </a:fld>
             <a:endParaRPr lang="en-GB"/>
           </a:p>
@@ -1041,7 +1041,7 @@
           <a:p>
             <a:fld id="{2A27EDB3-DB67-4E38-BFBE-E3054BAC1D0F}" type="datetimeFigureOut">
               <a:rPr lang="en-GB" smtClean="0"/>
-              <a:t>29/06/2017</a:t>
+              <a:t>04/07/2017</a:t>
             </a:fld>
             <a:endParaRPr lang="en-GB"/>
           </a:p>
@@ -1273,7 +1273,7 @@
           <a:p>
             <a:fld id="{2A27EDB3-DB67-4E38-BFBE-E3054BAC1D0F}" type="datetimeFigureOut">
               <a:rPr lang="en-GB" smtClean="0"/>
-              <a:t>29/06/2017</a:t>
+              <a:t>04/07/2017</a:t>
             </a:fld>
             <a:endParaRPr lang="en-GB"/>
           </a:p>
@@ -1640,7 +1640,7 @@
           <a:p>
             <a:fld id="{2A27EDB3-DB67-4E38-BFBE-E3054BAC1D0F}" type="datetimeFigureOut">
               <a:rPr lang="en-GB" smtClean="0"/>
-              <a:t>29/06/2017</a:t>
+              <a:t>04/07/2017</a:t>
             </a:fld>
             <a:endParaRPr lang="en-GB"/>
           </a:p>
@@ -1758,7 +1758,7 @@
           <a:p>
             <a:fld id="{2A27EDB3-DB67-4E38-BFBE-E3054BAC1D0F}" type="datetimeFigureOut">
               <a:rPr lang="en-GB" smtClean="0"/>
-              <a:t>29/06/2017</a:t>
+              <a:t>04/07/2017</a:t>
             </a:fld>
             <a:endParaRPr lang="en-GB"/>
           </a:p>
@@ -1853,7 +1853,7 @@
           <a:p>
             <a:fld id="{2A27EDB3-DB67-4E38-BFBE-E3054BAC1D0F}" type="datetimeFigureOut">
               <a:rPr lang="en-GB" smtClean="0"/>
-              <a:t>29/06/2017</a:t>
+              <a:t>04/07/2017</a:t>
             </a:fld>
             <a:endParaRPr lang="en-GB"/>
           </a:p>
@@ -2130,7 +2130,7 @@
           <a:p>
             <a:fld id="{2A27EDB3-DB67-4E38-BFBE-E3054BAC1D0F}" type="datetimeFigureOut">
               <a:rPr lang="en-GB" smtClean="0"/>
-              <a:t>29/06/2017</a:t>
+              <a:t>04/07/2017</a:t>
             </a:fld>
             <a:endParaRPr lang="en-GB"/>
           </a:p>
@@ -2383,7 +2383,7 @@
           <a:p>
             <a:fld id="{2A27EDB3-DB67-4E38-BFBE-E3054BAC1D0F}" type="datetimeFigureOut">
               <a:rPr lang="en-GB" smtClean="0"/>
-              <a:t>29/06/2017</a:t>
+              <a:t>04/07/2017</a:t>
             </a:fld>
             <a:endParaRPr lang="en-GB"/>
           </a:p>
@@ -2596,7 +2596,7 @@
           <a:p>
             <a:fld id="{2A27EDB3-DB67-4E38-BFBE-E3054BAC1D0F}" type="datetimeFigureOut">
               <a:rPr lang="en-GB" smtClean="0"/>
-              <a:t>29/06/2017</a:t>
+              <a:t>04/07/2017</a:t>
             </a:fld>
             <a:endParaRPr lang="en-GB"/>
           </a:p>
@@ -3025,7 +3025,7 @@
           <a:p>
             <a:pPr algn="ctr"/>
             <a:r>
-              <a:rPr lang="en-GB" sz="3000" b="1" dirty="0" err="1" smtClean="0"/>
+              <a:rPr lang="en-GB" sz="3000" b="1" smtClean="0"/>
               <a:t>massPix</a:t>
             </a:r>
             <a:endParaRPr lang="en-GB" sz="3000" b="1" dirty="0" smtClean="0"/>
@@ -6597,7 +6597,6 @@
               <a:rPr lang="en-GB" u="sng" dirty="0" smtClean="0"/>
               <a:t> repository. </a:t>
             </a:r>
-            <a:endParaRPr lang="en-GB" u="sng" dirty="0" smtClean="0"/>
           </a:p>
           <a:p>
             <a:endParaRPr lang="en-GB" u="sng" dirty="0"/>

--- a/massPix_quickstart.pptx
+++ b/massPix_quickstart.pptx
@@ -275,7 +275,7 @@
           <a:p>
             <a:fld id="{2A27EDB3-DB67-4E38-BFBE-E3054BAC1D0F}" type="datetimeFigureOut">
               <a:rPr lang="en-GB" smtClean="0"/>
-              <a:t>04/07/2017</a:t>
+              <a:t>06/07/2017</a:t>
             </a:fld>
             <a:endParaRPr lang="en-GB"/>
           </a:p>
@@ -445,7 +445,7 @@
           <a:p>
             <a:fld id="{2A27EDB3-DB67-4E38-BFBE-E3054BAC1D0F}" type="datetimeFigureOut">
               <a:rPr lang="en-GB" smtClean="0"/>
-              <a:t>04/07/2017</a:t>
+              <a:t>06/07/2017</a:t>
             </a:fld>
             <a:endParaRPr lang="en-GB"/>
           </a:p>
@@ -625,7 +625,7 @@
           <a:p>
             <a:fld id="{2A27EDB3-DB67-4E38-BFBE-E3054BAC1D0F}" type="datetimeFigureOut">
               <a:rPr lang="en-GB" smtClean="0"/>
-              <a:t>04/07/2017</a:t>
+              <a:t>06/07/2017</a:t>
             </a:fld>
             <a:endParaRPr lang="en-GB"/>
           </a:p>
@@ -795,7 +795,7 @@
           <a:p>
             <a:fld id="{2A27EDB3-DB67-4E38-BFBE-E3054BAC1D0F}" type="datetimeFigureOut">
               <a:rPr lang="en-GB" smtClean="0"/>
-              <a:t>04/07/2017</a:t>
+              <a:t>06/07/2017</a:t>
             </a:fld>
             <a:endParaRPr lang="en-GB"/>
           </a:p>
@@ -1041,7 +1041,7 @@
           <a:p>
             <a:fld id="{2A27EDB3-DB67-4E38-BFBE-E3054BAC1D0F}" type="datetimeFigureOut">
               <a:rPr lang="en-GB" smtClean="0"/>
-              <a:t>04/07/2017</a:t>
+              <a:t>06/07/2017</a:t>
             </a:fld>
             <a:endParaRPr lang="en-GB"/>
           </a:p>
@@ -1273,7 +1273,7 @@
           <a:p>
             <a:fld id="{2A27EDB3-DB67-4E38-BFBE-E3054BAC1D0F}" type="datetimeFigureOut">
               <a:rPr lang="en-GB" smtClean="0"/>
-              <a:t>04/07/2017</a:t>
+              <a:t>06/07/2017</a:t>
             </a:fld>
             <a:endParaRPr lang="en-GB"/>
           </a:p>
@@ -1640,7 +1640,7 @@
           <a:p>
             <a:fld id="{2A27EDB3-DB67-4E38-BFBE-E3054BAC1D0F}" type="datetimeFigureOut">
               <a:rPr lang="en-GB" smtClean="0"/>
-              <a:t>04/07/2017</a:t>
+              <a:t>06/07/2017</a:t>
             </a:fld>
             <a:endParaRPr lang="en-GB"/>
           </a:p>
@@ -1758,7 +1758,7 @@
           <a:p>
             <a:fld id="{2A27EDB3-DB67-4E38-BFBE-E3054BAC1D0F}" type="datetimeFigureOut">
               <a:rPr lang="en-GB" smtClean="0"/>
-              <a:t>04/07/2017</a:t>
+              <a:t>06/07/2017</a:t>
             </a:fld>
             <a:endParaRPr lang="en-GB"/>
           </a:p>
@@ -1853,7 +1853,7 @@
           <a:p>
             <a:fld id="{2A27EDB3-DB67-4E38-BFBE-E3054BAC1D0F}" type="datetimeFigureOut">
               <a:rPr lang="en-GB" smtClean="0"/>
-              <a:t>04/07/2017</a:t>
+              <a:t>06/07/2017</a:t>
             </a:fld>
             <a:endParaRPr lang="en-GB"/>
           </a:p>
@@ -2130,7 +2130,7 @@
           <a:p>
             <a:fld id="{2A27EDB3-DB67-4E38-BFBE-E3054BAC1D0F}" type="datetimeFigureOut">
               <a:rPr lang="en-GB" smtClean="0"/>
-              <a:t>04/07/2017</a:t>
+              <a:t>06/07/2017</a:t>
             </a:fld>
             <a:endParaRPr lang="en-GB"/>
           </a:p>
@@ -2383,7 +2383,7 @@
           <a:p>
             <a:fld id="{2A27EDB3-DB67-4E38-BFBE-E3054BAC1D0F}" type="datetimeFigureOut">
               <a:rPr lang="en-GB" smtClean="0"/>
-              <a:t>04/07/2017</a:t>
+              <a:t>06/07/2017</a:t>
             </a:fld>
             <a:endParaRPr lang="en-GB"/>
           </a:p>
@@ -2596,7 +2596,7 @@
           <a:p>
             <a:fld id="{2A27EDB3-DB67-4E38-BFBE-E3054BAC1D0F}" type="datetimeFigureOut">
               <a:rPr lang="en-GB" smtClean="0"/>
-              <a:t>04/07/2017</a:t>
+              <a:t>06/07/2017</a:t>
             </a:fld>
             <a:endParaRPr lang="en-GB"/>
           </a:p>
@@ -6468,7 +6468,7 @@
         <p:spPr>
           <a:xfrm>
             <a:off x="508000" y="1332089"/>
-            <a:ext cx="11684000" cy="3416320"/>
+            <a:ext cx="11684000" cy="2308324"/>
           </a:xfrm>
           <a:prstGeom prst="rect">
             <a:avLst/>
@@ -6483,119 +6483,89 @@
           <a:p>
             <a:r>
               <a:rPr lang="en-GB" dirty="0" smtClean="0"/>
-              <a:t>*** In addition to the files on the </a:t>
-            </a:r>
-            <a:r>
-              <a:rPr lang="en-GB" dirty="0" err="1" smtClean="0"/>
-              <a:t>github</a:t>
+              <a:t>Test data can be downloaded from </a:t>
+            </a:r>
+            <a:r>
+              <a:rPr lang="en-GB" dirty="0" err="1" smtClean="0">
+                <a:solidFill>
+                  <a:srgbClr val="FF0000"/>
+                </a:solidFill>
+              </a:rPr>
+              <a:t>MetaboLights</a:t>
+            </a:r>
+            <a:r>
+              <a:rPr lang="en-GB" dirty="0" smtClean="0">
+                <a:solidFill>
+                  <a:srgbClr val="FF0000"/>
+                </a:solidFill>
+              </a:rPr>
+              <a:t> repository </a:t>
             </a:r>
             <a:r>
               <a:rPr lang="en-GB" dirty="0" smtClean="0"/>
-              <a:t>, please download the very large file </a:t>
-            </a:r>
-            <a:r>
-              <a:rPr lang="en-GB" dirty="0" err="1" smtClean="0"/>
-              <a:t>test_POS.ibd</a:t>
-            </a:r>
-            <a:r>
-              <a:rPr lang="en-GB" dirty="0" smtClean="0"/>
-              <a:t> from the </a:t>
-            </a:r>
-            <a:r>
-              <a:rPr lang="en-GB" dirty="0" err="1" smtClean="0"/>
-              <a:t>dropbox</a:t>
-            </a:r>
-            <a:r>
-              <a:rPr lang="en-GB" dirty="0" smtClean="0"/>
-              <a:t> link below – ensure download completes fully – file should be ~ 160 MB. </a:t>
-            </a:r>
-          </a:p>
-          <a:p>
-            <a:r>
-              <a:rPr lang="en-GB" dirty="0" smtClean="0"/>
-              <a:t> </a:t>
-            </a:r>
-          </a:p>
-          <a:p>
+              <a:t>(accession number MTBLS487).</a:t>
+            </a:r>
+          </a:p>
+          <a:p>
+            <a:endParaRPr lang="en-GB" u="sng" dirty="0"/>
+          </a:p>
+          <a:p>
+            <a:r>
+              <a:rPr lang="en-GB" u="sng" dirty="0">
+                <a:hlinkClick r:id="rId2"/>
+              </a:rPr>
+              <a:t>https://</a:t>
+            </a:r>
             <a:r>
               <a:rPr lang="en-GB" u="sng" dirty="0" smtClean="0">
                 <a:hlinkClick r:id="rId2"/>
               </a:rPr>
-              <a:t>https</a:t>
-            </a:r>
-            <a:r>
-              <a:rPr lang="en-GB" u="sng" dirty="0">
-                <a:hlinkClick r:id="rId2"/>
-              </a:rPr>
-              <a:t>://</a:t>
-            </a:r>
-            <a:r>
-              <a:rPr lang="en-GB" u="sng" dirty="0" smtClean="0">
-                <a:hlinkClick r:id="rId2"/>
-              </a:rPr>
-              <a:t>www.dropbox.com/s/5ff7yi3z1irqda0/test_POS.ibd?dl=0</a:t>
-            </a:r>
-            <a:endParaRPr lang="en-GB" u="sng" dirty="0" smtClean="0"/>
-          </a:p>
-          <a:p>
-            <a:endParaRPr lang="en-GB" u="sng" dirty="0" smtClean="0"/>
+              <a:t>www.ebi.ac.uk/metabolights/MTBLS487</a:t>
+            </a:r>
+            <a:r>
+              <a:rPr lang="en-GB" u="sng" dirty="0" smtClean="0"/>
+              <a:t> </a:t>
+            </a:r>
           </a:p>
           <a:p>
             <a:endParaRPr lang="en-GB" u="sng" dirty="0"/>
           </a:p>
           <a:p>
             <a:r>
-              <a:rPr lang="en-GB" dirty="0"/>
-              <a:t>This </a:t>
-            </a:r>
-            <a:r>
               <a:rPr lang="en-GB" dirty="0" smtClean="0"/>
-              <a:t>file </a:t>
-            </a:r>
-            <a:r>
-              <a:rPr lang="en-GB" dirty="0"/>
-              <a:t>should be stored in your “data/” folder, </a:t>
+              <a:t>Download </a:t>
+            </a:r>
+            <a:r>
+              <a:rPr lang="en-GB" dirty="0" err="1" smtClean="0"/>
+              <a:t>test_POS.ibd</a:t>
             </a:r>
             <a:r>
               <a:rPr lang="en-GB" dirty="0" smtClean="0"/>
-              <a:t>in addition to </a:t>
+              <a:t> and </a:t>
             </a:r>
             <a:r>
               <a:rPr lang="en-GB" dirty="0" err="1" smtClean="0"/>
               <a:t>test_POS.imzML</a:t>
             </a:r>
             <a:r>
-              <a:rPr lang="en-GB" dirty="0"/>
-              <a:t> </a:t>
-            </a:r>
-            <a:r>
               <a:rPr lang="en-GB" dirty="0" smtClean="0"/>
-              <a:t>available on </a:t>
+              <a:t> and store both in a folder named  “</a:t>
+            </a:r>
+            <a:r>
+              <a:rPr lang="en-GB" dirty="0" smtClean="0"/>
+              <a:t>data/” </a:t>
+            </a:r>
+            <a:r>
+              <a:rPr lang="en-GB" dirty="0" smtClean="0"/>
+              <a:t>in the </a:t>
             </a:r>
             <a:r>
               <a:rPr lang="en-GB" dirty="0" err="1" smtClean="0"/>
-              <a:t>github</a:t>
+              <a:t>massPix</a:t>
             </a:r>
             <a:r>
               <a:rPr lang="en-GB" dirty="0" smtClean="0"/>
-              <a:t>.</a:t>
-            </a:r>
-          </a:p>
-          <a:p>
-            <a:endParaRPr lang="en-GB" u="sng" dirty="0"/>
-          </a:p>
-          <a:p>
-            <a:r>
-              <a:rPr lang="en-GB" u="sng" dirty="0" smtClean="0"/>
-              <a:t>This will shortly be available on </a:t>
-            </a:r>
-            <a:r>
-              <a:rPr lang="en-GB" u="sng" dirty="0" err="1" smtClean="0"/>
-              <a:t>MetaboLights</a:t>
-            </a:r>
-            <a:r>
-              <a:rPr lang="en-GB" u="sng" dirty="0" smtClean="0"/>
-              <a:t> repository. </a:t>
+              <a:t> master folder.</a:t>
             </a:r>
           </a:p>
           <a:p>
